--- a/Daily_Report Analysis.pptx
+++ b/Daily_Report Analysis.pptx
@@ -3378,8 +3378,14 @@
           <a:lstStyle/>
           <a:p>
             <a:r>
+              <a:rPr dirty="0"/>
               <a:t>File created on: 14-06-2020 00:14:34</a:t>
             </a:r>
+            <a:r>
+              <a:rPr lang="en-IN"/>
+              <a:t> </a:t>
+            </a:r>
+            <a:endParaRPr/>
           </a:p>
         </p:txBody>
       </p:sp>
@@ -5119,7 +5125,7 @@
               <a:t>https://www.pharmaceutical-technology.com/features/coronavirus-affected-countries-south-korea-covid-19-outbreak-measures-impact/</a:t>
             </a:r>
             <a:endParaRPr lang="en-IN" sz="1400" dirty="0">
-              <a:hlinkClick r:id=""/>
+              <a:hlinkClick r:id="" action="ppaction://noaction"/>
             </a:endParaRPr>
           </a:p>
           <a:p>
@@ -5128,7 +5134,7 @@
             </a:pPr>
             <a:r>
               <a:rPr lang="en-IN" sz="1400" dirty="0">
-                <a:hlinkClick r:id=""/>
+                <a:hlinkClick r:id="" action="ppaction://noaction"/>
               </a:rPr>
               <a:t>https://time.com/5830594/south-korea-covid19-coronavirus/</a:t>
             </a:r>
